--- a/Documentation/presentations/transfer/Transfer_caGrid_AHM_2008.pptx
+++ b/Documentation/presentations/transfer/Transfer_caGrid_AHM_2008.pptx
@@ -288,7 +288,8 @@
           <a:p>
             <a:fld id="{339DB51B-28D5-CA40-B042-16E22DA4B1D8}" type="datetimeFigureOut">
               <a:rPr lang="en-US" smtClean="0"/>
-              <a:t>6/7/08</a:t>
+              <a:pPr/>
+              <a:t>6/8/08</a:t>
             </a:fld>
             <a:endParaRPr lang="en-US"/>
           </a:p>
@@ -330,6 +331,7 @@
           <a:p>
             <a:fld id="{07EC8D1F-C3A9-B043-8E20-548CA6052D80}" type="slidenum">
               <a:rPr lang="en-US" smtClean="0"/>
+              <a:pPr/>
               <a:t>‹#›</a:t>
             </a:fld>
             <a:endParaRPr lang="en-US"/>
@@ -453,7 +455,8 @@
           <a:p>
             <a:fld id="{339DB51B-28D5-CA40-B042-16E22DA4B1D8}" type="datetimeFigureOut">
               <a:rPr lang="en-US" smtClean="0"/>
-              <a:t>6/7/08</a:t>
+              <a:pPr/>
+              <a:t>6/8/08</a:t>
             </a:fld>
             <a:endParaRPr lang="en-US"/>
           </a:p>
@@ -495,6 +498,7 @@
           <a:p>
             <a:fld id="{07EC8D1F-C3A9-B043-8E20-548CA6052D80}" type="slidenum">
               <a:rPr lang="en-US" smtClean="0"/>
+              <a:pPr/>
               <a:t>‹#›</a:t>
             </a:fld>
             <a:endParaRPr lang="en-US"/>
@@ -628,7 +632,8 @@
           <a:p>
             <a:fld id="{339DB51B-28D5-CA40-B042-16E22DA4B1D8}" type="datetimeFigureOut">
               <a:rPr lang="en-US" smtClean="0"/>
-              <a:t>6/7/08</a:t>
+              <a:pPr/>
+              <a:t>6/8/08</a:t>
             </a:fld>
             <a:endParaRPr lang="en-US"/>
           </a:p>
@@ -670,6 +675,7 @@
           <a:p>
             <a:fld id="{07EC8D1F-C3A9-B043-8E20-548CA6052D80}" type="slidenum">
               <a:rPr lang="en-US" smtClean="0"/>
+              <a:pPr/>
               <a:t>‹#›</a:t>
             </a:fld>
             <a:endParaRPr lang="en-US"/>
@@ -793,7 +799,8 @@
           <a:p>
             <a:fld id="{339DB51B-28D5-CA40-B042-16E22DA4B1D8}" type="datetimeFigureOut">
               <a:rPr lang="en-US" smtClean="0"/>
-              <a:t>6/7/08</a:t>
+              <a:pPr/>
+              <a:t>6/8/08</a:t>
             </a:fld>
             <a:endParaRPr lang="en-US"/>
           </a:p>
@@ -835,6 +842,7 @@
           <a:p>
             <a:fld id="{07EC8D1F-C3A9-B043-8E20-548CA6052D80}" type="slidenum">
               <a:rPr lang="en-US" smtClean="0"/>
+              <a:pPr/>
               <a:t>‹#›</a:t>
             </a:fld>
             <a:endParaRPr lang="en-US"/>
@@ -1034,7 +1042,8 @@
           <a:p>
             <a:fld id="{339DB51B-28D5-CA40-B042-16E22DA4B1D8}" type="datetimeFigureOut">
               <a:rPr lang="en-US" smtClean="0"/>
-              <a:t>6/7/08</a:t>
+              <a:pPr/>
+              <a:t>6/8/08</a:t>
             </a:fld>
             <a:endParaRPr lang="en-US"/>
           </a:p>
@@ -1076,6 +1085,7 @@
           <a:p>
             <a:fld id="{07EC8D1F-C3A9-B043-8E20-548CA6052D80}" type="slidenum">
               <a:rPr lang="en-US" smtClean="0"/>
+              <a:pPr/>
               <a:t>‹#›</a:t>
             </a:fld>
             <a:endParaRPr lang="en-US"/>
@@ -1317,7 +1327,8 @@
           <a:p>
             <a:fld id="{339DB51B-28D5-CA40-B042-16E22DA4B1D8}" type="datetimeFigureOut">
               <a:rPr lang="en-US" smtClean="0"/>
-              <a:t>6/7/08</a:t>
+              <a:pPr/>
+              <a:t>6/8/08</a:t>
             </a:fld>
             <a:endParaRPr lang="en-US"/>
           </a:p>
@@ -1359,6 +1370,7 @@
           <a:p>
             <a:fld id="{07EC8D1F-C3A9-B043-8E20-548CA6052D80}" type="slidenum">
               <a:rPr lang="en-US" smtClean="0"/>
+              <a:pPr/>
               <a:t>‹#›</a:t>
             </a:fld>
             <a:endParaRPr lang="en-US"/>
@@ -1739,7 +1751,8 @@
           <a:p>
             <a:fld id="{339DB51B-28D5-CA40-B042-16E22DA4B1D8}" type="datetimeFigureOut">
               <a:rPr lang="en-US" smtClean="0"/>
-              <a:t>6/7/08</a:t>
+              <a:pPr/>
+              <a:t>6/8/08</a:t>
             </a:fld>
             <a:endParaRPr lang="en-US"/>
           </a:p>
@@ -1781,6 +1794,7 @@
           <a:p>
             <a:fld id="{07EC8D1F-C3A9-B043-8E20-548CA6052D80}" type="slidenum">
               <a:rPr lang="en-US" smtClean="0"/>
+              <a:pPr/>
               <a:t>‹#›</a:t>
             </a:fld>
             <a:endParaRPr lang="en-US"/>
@@ -1852,7 +1866,8 @@
           <a:p>
             <a:fld id="{339DB51B-28D5-CA40-B042-16E22DA4B1D8}" type="datetimeFigureOut">
               <a:rPr lang="en-US" smtClean="0"/>
-              <a:t>6/7/08</a:t>
+              <a:pPr/>
+              <a:t>6/8/08</a:t>
             </a:fld>
             <a:endParaRPr lang="en-US"/>
           </a:p>
@@ -1894,6 +1909,7 @@
           <a:p>
             <a:fld id="{07EC8D1F-C3A9-B043-8E20-548CA6052D80}" type="slidenum">
               <a:rPr lang="en-US" smtClean="0"/>
+              <a:pPr/>
               <a:t>‹#›</a:t>
             </a:fld>
             <a:endParaRPr lang="en-US"/>
@@ -1942,7 +1958,8 @@
           <a:p>
             <a:fld id="{339DB51B-28D5-CA40-B042-16E22DA4B1D8}" type="datetimeFigureOut">
               <a:rPr lang="en-US" smtClean="0"/>
-              <a:t>6/7/08</a:t>
+              <a:pPr/>
+              <a:t>6/8/08</a:t>
             </a:fld>
             <a:endParaRPr lang="en-US"/>
           </a:p>
@@ -1984,6 +2001,7 @@
           <a:p>
             <a:fld id="{07EC8D1F-C3A9-B043-8E20-548CA6052D80}" type="slidenum">
               <a:rPr lang="en-US" smtClean="0"/>
+              <a:pPr/>
               <a:t>‹#›</a:t>
             </a:fld>
             <a:endParaRPr lang="en-US"/>
@@ -2214,7 +2232,8 @@
           <a:p>
             <a:fld id="{339DB51B-28D5-CA40-B042-16E22DA4B1D8}" type="datetimeFigureOut">
               <a:rPr lang="en-US" smtClean="0"/>
-              <a:t>6/7/08</a:t>
+              <a:pPr/>
+              <a:t>6/8/08</a:t>
             </a:fld>
             <a:endParaRPr lang="en-US"/>
           </a:p>
@@ -2256,6 +2275,7 @@
           <a:p>
             <a:fld id="{07EC8D1F-C3A9-B043-8E20-548CA6052D80}" type="slidenum">
               <a:rPr lang="en-US" smtClean="0"/>
+              <a:pPr/>
               <a:t>‹#›</a:t>
             </a:fld>
             <a:endParaRPr lang="en-US"/>
@@ -2462,7 +2482,8 @@
           <a:p>
             <a:fld id="{339DB51B-28D5-CA40-B042-16E22DA4B1D8}" type="datetimeFigureOut">
               <a:rPr lang="en-US" smtClean="0"/>
-              <a:t>6/7/08</a:t>
+              <a:pPr/>
+              <a:t>6/8/08</a:t>
             </a:fld>
             <a:endParaRPr lang="en-US"/>
           </a:p>
@@ -2504,6 +2525,7 @@
           <a:p>
             <a:fld id="{07EC8D1F-C3A9-B043-8E20-548CA6052D80}" type="slidenum">
               <a:rPr lang="en-US" smtClean="0"/>
+              <a:pPr/>
               <a:t>‹#›</a:t>
             </a:fld>
             <a:endParaRPr lang="en-US"/>
@@ -2670,7 +2692,8 @@
           <a:p>
             <a:fld id="{339DB51B-28D5-CA40-B042-16E22DA4B1D8}" type="datetimeFigureOut">
               <a:rPr lang="en-US" smtClean="0"/>
-              <a:t>6/7/08</a:t>
+              <a:pPr/>
+              <a:t>6/8/08</a:t>
             </a:fld>
             <a:endParaRPr lang="en-US"/>
           </a:p>
@@ -2748,6 +2771,7 @@
           <a:p>
             <a:fld id="{07EC8D1F-C3A9-B043-8E20-548CA6052D80}" type="slidenum">
               <a:rPr lang="en-US" smtClean="0"/>
+              <a:pPr/>
               <a:t>‹#›</a:t>
             </a:fld>
             <a:endParaRPr lang="en-US"/>
@@ -3178,19 +3202,6 @@
           <a:p>
             <a:pPr algn="ctr"/>
             <a:r>
-              <a:rPr lang="en-US" sz="11500" dirty="0" err="1" smtClean="0">
-                <a:solidFill>
-                  <a:schemeClr val="bg1"/>
-                </a:solidFill>
-                <a:effectLst>
-                  <a:reflection stA="77000" endPos="75000" dir="5400000" sy="-100000" algn="bl" rotWithShape="0"/>
-                </a:effectLst>
-                <a:latin typeface="Arial Black"/>
-                <a:cs typeface="Arial Black"/>
-              </a:rPr>
-              <a:t>caGrid</a:t>
-            </a:r>
-            <a:r>
               <a:rPr lang="en-US" sz="11500" dirty="0" smtClean="0">
                 <a:solidFill>
                   <a:schemeClr val="bg1"/>
@@ -3201,7 +3212,7 @@
                 <a:latin typeface="Arial Black"/>
                 <a:cs typeface="Arial Black"/>
               </a:rPr>
-              <a:t> Transfer:</a:t>
+              <a:t>caGrid Transfer:</a:t>
             </a:r>
           </a:p>
           <a:p>
@@ -3490,6 +3501,354 @@
           <a:xfrm>
             <a:off x="32182981" y="31813500"/>
             <a:ext cx="2259419" cy="647700"/>
+          </a:xfrm>
+          <a:prstGeom prst="rect">
+            <a:avLst/>
+          </a:prstGeom>
+        </p:spPr>
+      </p:pic>
+      <p:pic>
+        <p:nvPicPr>
+          <p:cNvPr id="15" name="Picture 14" descr="CaGridTransfer-GridTransferService.jpg"/>
+          <p:cNvPicPr>
+            <a:picLocks noChangeAspect="1"/>
+          </p:cNvPicPr>
+          <p:nvPr/>
+        </p:nvPicPr>
+        <p:blipFill>
+          <a:blip r:embed="rId7"/>
+          <a:stretch>
+            <a:fillRect/>
+          </a:stretch>
+        </p:blipFill>
+        <p:spPr>
+          <a:xfrm>
+            <a:off x="15114728" y="6629399"/>
+            <a:ext cx="14831872" cy="17281581"/>
+          </a:xfrm>
+          <a:prstGeom prst="rect">
+            <a:avLst/>
+          </a:prstGeom>
+        </p:spPr>
+      </p:pic>
+      <p:sp>
+        <p:nvSpPr>
+          <p:cNvPr id="18" name="Rectangle 17"/>
+          <p:cNvSpPr/>
+          <p:nvPr/>
+        </p:nvSpPr>
+        <p:spPr>
+          <a:xfrm>
+            <a:off x="685800" y="9629120"/>
+            <a:ext cx="14020800" cy="21021139"/>
+          </a:xfrm>
+          <a:prstGeom prst="rect">
+            <a:avLst/>
+          </a:prstGeom>
+        </p:spPr>
+        <p:txBody>
+          <a:bodyPr wrap="square">
+            <a:spAutoFit/>
+          </a:bodyPr>
+          <a:lstStyle/>
+          <a:p>
+            <a:r>
+              <a:rPr lang="en-US" sz="4000" b="1" dirty="0" smtClean="0"/>
+              <a:t>Motivation</a:t>
+            </a:r>
+          </a:p>
+          <a:p>
+            <a:pPr algn="just"/>
+            <a:r>
+              <a:rPr lang="en-US" sz="4000" dirty="0" smtClean="0"/>
+              <a:t>Many </a:t>
+            </a:r>
+            <a:r>
+              <a:rPr lang="en-US" sz="4000" dirty="0" smtClean="0"/>
+              <a:t>user groups in caGrid have expressed the need to transfer large data files in the grid without paying the penalty of serialization or deserialization or having to have the entire data in core memory.</a:t>
+            </a:r>
+            <a:r>
+              <a:rPr lang="en-US" sz="4000" dirty="0" smtClean="0"/>
+              <a:t> </a:t>
+            </a:r>
+          </a:p>
+          <a:p>
+            <a:pPr algn="just"/>
+            <a:r>
+              <a:rPr lang="en-US" sz="4000" dirty="0" smtClean="0"/>
+              <a:t>Early on in the project we created support for utilizing </a:t>
+            </a:r>
+            <a:r>
+              <a:rPr lang="en-US" sz="4000" dirty="0" err="1" smtClean="0"/>
+              <a:t>GridFTP</a:t>
+            </a:r>
+            <a:r>
+              <a:rPr lang="en-US" sz="4000" dirty="0" smtClean="0"/>
+              <a:t> for solving these usage scenarios. Several issues with this current approach have left us searching for another solution. Some of the issues are as follows:</a:t>
+            </a:r>
+          </a:p>
+          <a:p>
+            <a:pPr marL="742950" indent="-742950">
+              <a:buFont typeface="Arial"/>
+              <a:buChar char="•"/>
+            </a:pPr>
+            <a:r>
+              <a:rPr lang="en-US" sz="4000" dirty="0" smtClean="0"/>
+              <a:t>caGrid </a:t>
+            </a:r>
+            <a:r>
+              <a:rPr lang="en-US" sz="4000" dirty="0" smtClean="0"/>
+              <a:t>BDT uses GridFTP as the underlying 3rd party transfer mechanism</a:t>
+            </a:r>
+            <a:r>
+              <a:rPr lang="en-US" sz="4000" dirty="0" smtClean="0"/>
+              <a:t>.</a:t>
+            </a:r>
+          </a:p>
+          <a:p>
+            <a:pPr marL="742950" indent="-742950">
+              <a:buFont typeface="Arial"/>
+              <a:buChar char="•"/>
+            </a:pPr>
+            <a:r>
+              <a:rPr lang="en-US" sz="4000" dirty="0" smtClean="0"/>
+              <a:t>GridFTP </a:t>
+            </a:r>
+            <a:r>
+              <a:rPr lang="en-US" sz="4000" dirty="0" smtClean="0"/>
+              <a:t>server is not cross platform (currently on on C platform builds of globus)</a:t>
+            </a:r>
+            <a:r>
+              <a:rPr lang="en-US" sz="4000" dirty="0" smtClean="0"/>
+              <a:t>.</a:t>
+            </a:r>
+          </a:p>
+          <a:p>
+            <a:pPr marL="742950" indent="-742950">
+              <a:buFont typeface="Arial"/>
+              <a:buChar char="•"/>
+            </a:pPr>
+            <a:r>
+              <a:rPr lang="en-US" sz="4000" dirty="0" smtClean="0"/>
+              <a:t>GridFTP </a:t>
+            </a:r>
+            <a:r>
+              <a:rPr lang="en-US" sz="4000" dirty="0" smtClean="0"/>
+              <a:t>requires a seperate globus-C installation as caGrid uses the JavaWS Core installation of globus</a:t>
+            </a:r>
+            <a:r>
+              <a:rPr lang="en-US" sz="4000" dirty="0" smtClean="0"/>
+              <a:t>.</a:t>
+            </a:r>
+          </a:p>
+          <a:p>
+            <a:pPr marL="742950" indent="-742950">
+              <a:buFont typeface="Arial"/>
+              <a:buChar char="•"/>
+            </a:pPr>
+            <a:r>
+              <a:rPr lang="en-US" sz="4000" dirty="0" smtClean="0"/>
+              <a:t>GridFTP </a:t>
+            </a:r>
+            <a:r>
+              <a:rPr lang="en-US" sz="4000" dirty="0" smtClean="0"/>
+              <a:t>has to be extended to be able to make authorization callouts to a java based middleware such as caGrid</a:t>
+            </a:r>
+            <a:r>
+              <a:rPr lang="en-US" sz="4000" dirty="0" smtClean="0"/>
+              <a:t>.</a:t>
+            </a:r>
+          </a:p>
+          <a:p>
+            <a:pPr marL="742950" indent="-742950">
+              <a:buFont typeface="Arial"/>
+              <a:buChar char="•"/>
+            </a:pPr>
+            <a:r>
+              <a:rPr lang="en-US" sz="4000" dirty="0" smtClean="0"/>
+              <a:t>GridFTP </a:t>
+            </a:r>
+            <a:r>
+              <a:rPr lang="en-US" sz="4000" dirty="0" smtClean="0"/>
+              <a:t>installation and configuration is quite advanced for our user community</a:t>
+            </a:r>
+            <a:r>
+              <a:rPr lang="en-US" sz="4000" dirty="0" smtClean="0"/>
+              <a:t>.</a:t>
+            </a:r>
+          </a:p>
+          <a:p>
+            <a:pPr marL="742950" indent="-742950">
+              <a:buFont typeface="Arial"/>
+              <a:buChar char="•"/>
+            </a:pPr>
+            <a:r>
+              <a:rPr lang="en-US" sz="4000" dirty="0" smtClean="0"/>
+              <a:t>Globus </a:t>
+            </a:r>
+            <a:r>
+              <a:rPr lang="en-US" sz="4000" dirty="0" smtClean="0"/>
+              <a:t>does not currently support SOAP attachments</a:t>
+            </a:r>
+            <a:r>
+              <a:rPr lang="en-US" sz="4000" dirty="0" smtClean="0"/>
+              <a:t>.</a:t>
+            </a:r>
+          </a:p>
+          <a:p>
+            <a:endParaRPr lang="en-US" sz="4000" dirty="0" smtClean="0"/>
+          </a:p>
+          <a:p>
+            <a:r>
+              <a:rPr lang="en-US" sz="4000" b="1" dirty="0" smtClean="0"/>
+              <a:t>Features</a:t>
+            </a:r>
+          </a:p>
+          <a:p>
+            <a:pPr marL="742950" indent="-742950">
+              <a:buFont typeface="Arial"/>
+              <a:buChar char="•"/>
+            </a:pPr>
+            <a:r>
+              <a:rPr lang="en-US" sz="4000" dirty="0" smtClean="0"/>
+              <a:t>In </a:t>
+            </a:r>
+            <a:r>
+              <a:rPr lang="en-US" sz="4000" dirty="0" smtClean="0"/>
+              <a:t>order to better serve our user group we have come up with the following requirements for an alternative non-grid high performance delivery mechanism</a:t>
+            </a:r>
+            <a:r>
+              <a:rPr lang="en-US" sz="4000" dirty="0" smtClean="0"/>
+              <a:t>:</a:t>
+            </a:r>
+          </a:p>
+          <a:p>
+            <a:pPr marL="742950" indent="-742950">
+              <a:buFont typeface="Arial"/>
+              <a:buChar char="•"/>
+            </a:pPr>
+            <a:r>
+              <a:rPr lang="en-US" sz="4000" dirty="0" smtClean="0"/>
+              <a:t>Cross </a:t>
+            </a:r>
+            <a:r>
+              <a:rPr lang="en-US" sz="4000" dirty="0" smtClean="0"/>
+              <a:t>platform (utilize the container that will be hosting JavaWS Core Globus)</a:t>
+            </a:r>
+            <a:r>
+              <a:rPr lang="en-US" sz="4000" dirty="0" smtClean="0"/>
+              <a:t>.</a:t>
+            </a:r>
+          </a:p>
+          <a:p>
+            <a:pPr marL="742950" indent="-742950">
+              <a:buFont typeface="Arial"/>
+              <a:buChar char="•"/>
+            </a:pPr>
+            <a:r>
+              <a:rPr lang="en-US" sz="4000" dirty="0" smtClean="0"/>
+              <a:t>One </a:t>
+            </a:r>
+            <a:r>
+              <a:rPr lang="en-US" sz="4000" dirty="0" smtClean="0"/>
+              <a:t>click/command install with no required configuration</a:t>
+            </a:r>
+            <a:r>
+              <a:rPr lang="en-US" sz="4000" dirty="0" smtClean="0"/>
+              <a:t>.</a:t>
+            </a:r>
+          </a:p>
+          <a:p>
+            <a:pPr marL="742950" indent="-742950">
+              <a:buFont typeface="Arial"/>
+              <a:buChar char="•"/>
+            </a:pPr>
+            <a:r>
+              <a:rPr lang="en-US" sz="4000" dirty="0" smtClean="0"/>
+              <a:t>Work </a:t>
+            </a:r>
+            <a:r>
+              <a:rPr lang="en-US" sz="4000" dirty="0" smtClean="0"/>
+              <a:t>within the same web application container as caGrid is deployed.Utilize GSI sockets for securely transporting the data using the same proxy certificates issued in </a:t>
+            </a:r>
+            <a:r>
+              <a:rPr lang="en-US" sz="4000" dirty="0" smtClean="0"/>
+              <a:t>caGrid.</a:t>
+            </a:r>
+          </a:p>
+          <a:p>
+            <a:pPr marL="742950" indent="-742950">
+              <a:buFont typeface="Arial"/>
+              <a:buChar char="•"/>
+            </a:pPr>
+            <a:r>
+              <a:rPr lang="en-US" sz="4000" dirty="0" smtClean="0"/>
+              <a:t>No </a:t>
+            </a:r>
+            <a:r>
+              <a:rPr lang="en-US" sz="4000" dirty="0" smtClean="0"/>
+              <a:t>deserialization or serialization required on server or client.No minimum requirement for core memory.Support upload and download of data.</a:t>
+            </a:r>
+            <a:endParaRPr lang="en-US" sz="4000" dirty="0"/>
+          </a:p>
+        </p:txBody>
+      </p:sp>
+      <p:sp>
+        <p:nvSpPr>
+          <p:cNvPr id="20" name="Rectangle 19"/>
+          <p:cNvSpPr/>
+          <p:nvPr/>
+        </p:nvSpPr>
+        <p:spPr>
+          <a:xfrm>
+            <a:off x="2514600" y="6443008"/>
+            <a:ext cx="12192000" cy="2800767"/>
+          </a:xfrm>
+          <a:prstGeom prst="rect">
+            <a:avLst/>
+          </a:prstGeom>
+        </p:spPr>
+        <p:txBody>
+          <a:bodyPr wrap="square">
+            <a:spAutoFit/>
+          </a:bodyPr>
+          <a:lstStyle/>
+          <a:p>
+            <a:pPr lvl="0" algn="just"/>
+            <a:r>
+              <a:rPr lang="en-US" sz="4400" i="1" dirty="0" smtClean="0">
+                <a:solidFill>
+                  <a:prstClr val="black"/>
+                </a:solidFill>
+              </a:rPr>
+              <a:t>caGrid Transfer is an Introduce Extension and supporting transfer service which will enable services and clients to download and upload bulk data easily and efficiently to and from grid services and clients.</a:t>
+            </a:r>
+            <a:endParaRPr lang="en-US" sz="4400" i="1" dirty="0" smtClean="0">
+              <a:solidFill>
+                <a:prstClr val="black"/>
+              </a:solidFill>
+            </a:endParaRPr>
+          </a:p>
+        </p:txBody>
+      </p:sp>
+      <p:pic>
+        <p:nvPicPr>
+          <p:cNvPr id="21" name="Picture 20" descr="CaGridTransfer.png"/>
+          <p:cNvPicPr>
+            <a:picLocks noChangeAspect="1"/>
+          </p:cNvPicPr>
+          <p:nvPr/>
+        </p:nvPicPr>
+        <p:blipFill>
+          <a:blip r:embed="rId8"/>
+          <a:stretch>
+            <a:fillRect/>
+          </a:stretch>
+        </p:blipFill>
+        <p:spPr>
+          <a:xfrm>
+            <a:off x="383592" y="6221052"/>
+            <a:ext cx="1877872" cy="2347340"/>
           </a:xfrm>
           <a:prstGeom prst="rect">
             <a:avLst/>

--- a/Documentation/presentations/transfer/Transfer_caGrid_AHM_2008.pptx
+++ b/Documentation/presentations/transfer/Transfer_caGrid_AHM_2008.pptx
@@ -3387,6 +3387,9 @@
           <a:solidFill>
             <a:schemeClr val="bg1"/>
           </a:solidFill>
+          <a:ln>
+            <a:noFill/>
+          </a:ln>
         </p:spPr>
         <p:style>
           <a:lnRef idx="1">
@@ -3523,7 +3526,7 @@
         </p:blipFill>
         <p:spPr>
           <a:xfrm>
-            <a:off x="15114728" y="6629399"/>
+            <a:off x="15114728" y="6324600"/>
             <a:ext cx="14831872" cy="17281581"/>
           </a:xfrm>
           <a:prstGeom prst="rect">
@@ -3539,8 +3542,8 @@
         </p:nvSpPr>
         <p:spPr>
           <a:xfrm>
-            <a:off x="685800" y="9629120"/>
-            <a:ext cx="14020800" cy="21021139"/>
+            <a:off x="685800" y="9372600"/>
+            <a:ext cx="14020800" cy="21636692"/>
           </a:xfrm>
           <a:prstGeom prst="rect">
             <a:avLst/>
@@ -3553,7 +3556,11 @@
           <a:lstStyle/>
           <a:p>
             <a:r>
-              <a:rPr lang="en-US" sz="4000" b="1" dirty="0" smtClean="0"/>
+              <a:rPr lang="en-US" sz="4000" b="1" dirty="0" smtClean="0">
+                <a:solidFill>
+                  <a:srgbClr val="2E304B"/>
+                </a:solidFill>
+              </a:rPr>
               <a:t>Motivation</a:t>
             </a:r>
           </a:p>
@@ -3688,11 +3695,11 @@
             </a:r>
             <a:r>
               <a:rPr lang="en-US" sz="4000" dirty="0" smtClean="0"/>
-              <a:t>does not currently support SOAP attachments</a:t>
-            </a:r>
-            <a:r>
-              <a:rPr lang="en-US" sz="4000" dirty="0" smtClean="0"/>
-              <a:t>.</a:t>
+              <a:t>does not currently support SOAP </a:t>
+            </a:r>
+            <a:r>
+              <a:rPr lang="en-US" sz="4000" dirty="0" smtClean="0"/>
+              <a:t>attachments or MTOM in it’s 4.0.X version.</a:t>
             </a:r>
           </a:p>
           <a:p>
@@ -3700,7 +3707,11 @@
           </a:p>
           <a:p>
             <a:r>
-              <a:rPr lang="en-US" sz="4000" b="1" dirty="0" smtClean="0"/>
+              <a:rPr lang="en-US" sz="4000" b="1" dirty="0" smtClean="0">
+                <a:solidFill>
+                  <a:srgbClr val="2D2E4B"/>
+                </a:solidFill>
+              </a:rPr>
               <a:t>Features</a:t>
             </a:r>
           </a:p>
@@ -3801,7 +3812,7 @@
         </p:nvSpPr>
         <p:spPr>
           <a:xfrm>
-            <a:off x="2514600" y="6443008"/>
+            <a:off x="2514600" y="6248400"/>
             <a:ext cx="12192000" cy="2800767"/>
           </a:xfrm>
           <a:prstGeom prst="rect">
@@ -3849,6 +3860,157 @@
           <a:xfrm>
             <a:off x="383592" y="6221052"/>
             <a:ext cx="1877872" cy="2347340"/>
+          </a:xfrm>
+          <a:prstGeom prst="rect">
+            <a:avLst/>
+          </a:prstGeom>
+        </p:spPr>
+      </p:pic>
+      <p:sp>
+        <p:nvSpPr>
+          <p:cNvPr id="23" name="Rectangle 22"/>
+          <p:cNvSpPr/>
+          <p:nvPr/>
+        </p:nvSpPr>
+        <p:spPr>
+          <a:xfrm>
+            <a:off x="30251400" y="6400800"/>
+            <a:ext cx="12990582" cy="11787842"/>
+          </a:xfrm>
+          <a:prstGeom prst="rect">
+            <a:avLst/>
+          </a:prstGeom>
+        </p:spPr>
+        <p:txBody>
+          <a:bodyPr wrap="square">
+            <a:spAutoFit/>
+          </a:bodyPr>
+          <a:lstStyle/>
+          <a:p>
+            <a:r>
+              <a:rPr lang="en-US" sz="4000" b="1" dirty="0" smtClean="0">
+                <a:solidFill>
+                  <a:srgbClr val="30304F"/>
+                </a:solidFill>
+              </a:rPr>
+              <a:t>Tide</a:t>
+            </a:r>
+          </a:p>
+          <a:p>
+            <a:r>
+              <a:rPr lang="en-US" sz="4000" dirty="0" smtClean="0"/>
+              <a:t>The </a:t>
+            </a:r>
+            <a:r>
+              <a:rPr lang="en-US" sz="4000" dirty="0" smtClean="0"/>
+              <a:t>Tide system is designed to be a </a:t>
+            </a:r>
+            <a:r>
+              <a:rPr lang="en-US" sz="4000" dirty="0" err="1" smtClean="0"/>
+              <a:t>bittorrent</a:t>
+            </a:r>
+            <a:r>
+              <a:rPr lang="en-US" sz="4000" dirty="0" smtClean="0"/>
+              <a:t> like grid based parallel data transfer </a:t>
+            </a:r>
+            <a:r>
+              <a:rPr lang="en-US" sz="4000" dirty="0" smtClean="0"/>
+              <a:t>solution utilizing the caGrid Transfer mechanisms. </a:t>
+            </a:r>
+            <a:r>
+              <a:rPr lang="en-US" sz="4000" dirty="0" smtClean="0"/>
+              <a:t>It borrows some aspects from the overall </a:t>
+            </a:r>
+            <a:r>
+              <a:rPr lang="en-US" sz="4000" dirty="0" err="1" smtClean="0"/>
+              <a:t>bittorrent</a:t>
+            </a:r>
+            <a:r>
+              <a:rPr lang="en-US" sz="4000" dirty="0" smtClean="0"/>
+              <a:t> model however is different is some aspects. The key difference, other than utilizing grid based protocols for negotiating all transfers, is that in the grid, currently, we don't see the massive ad-hoc user community that you might find in </a:t>
+            </a:r>
+            <a:r>
+              <a:rPr lang="en-US" sz="4000" dirty="0" err="1" smtClean="0"/>
+              <a:t>bittorrent</a:t>
+            </a:r>
+            <a:r>
+              <a:rPr lang="en-US" sz="4000" dirty="0" smtClean="0"/>
+              <a:t>. That is, because the data we are talking about </a:t>
+            </a:r>
+            <a:r>
+              <a:rPr lang="en-US" sz="4000" dirty="0" smtClean="0"/>
+              <a:t>transferring</a:t>
+            </a:r>
+            <a:r>
+              <a:rPr lang="en-US" sz="4000" dirty="0" smtClean="0"/>
+              <a:t> </a:t>
+            </a:r>
+            <a:r>
+              <a:rPr lang="en-US" sz="4000" dirty="0" smtClean="0"/>
+              <a:t>may </a:t>
+            </a:r>
+            <a:r>
+              <a:rPr lang="en-US" sz="4000" dirty="0" smtClean="0"/>
+              <a:t>only be read by certain people from a certain group or with certain credentials. By limiting the potential data </a:t>
+            </a:r>
+            <a:r>
+              <a:rPr lang="en-US" sz="4000" dirty="0" smtClean="0"/>
+              <a:t>consumers there </a:t>
+            </a:r>
+            <a:r>
+              <a:rPr lang="en-US" sz="4000" dirty="0" smtClean="0"/>
+              <a:t>will not be much use, at least </a:t>
+            </a:r>
+            <a:r>
+              <a:rPr lang="en-US" sz="4000" dirty="0" smtClean="0"/>
+              <a:t>early </a:t>
+            </a:r>
+            <a:r>
+              <a:rPr lang="en-US" sz="4000" dirty="0" smtClean="0"/>
+              <a:t>on, for supporting swarms style data transfer. That is, data that is being peer to peer</a:t>
+            </a:r>
+            <a:r>
+              <a:rPr lang="en-US" sz="4000" dirty="0" smtClean="0"/>
+              <a:t> transferred </a:t>
+            </a:r>
+            <a:r>
+              <a:rPr lang="en-US" sz="4000" dirty="0" smtClean="0"/>
+              <a:t>to consumers who are</a:t>
+            </a:r>
+            <a:r>
+              <a:rPr lang="en-US" sz="4000" dirty="0" smtClean="0"/>
+              <a:t> reading the </a:t>
+            </a:r>
+            <a:r>
+              <a:rPr lang="en-US" sz="4000" dirty="0" smtClean="0"/>
+              <a:t>same data at the same time. This scenario will be unlikely to occur judging from our use cases. So Tide attempts to be very simple in the way that it stores, publishes, and advertises data </a:t>
+            </a:r>
+            <a:r>
+              <a:rPr lang="en-US" sz="4000" dirty="0" smtClean="0"/>
+              <a:t>replicas.  The Tide software is in Incubation in caGrid and may be available in future releases.</a:t>
+            </a:r>
+            <a:endParaRPr lang="en-US" sz="4000" dirty="0"/>
+          </a:p>
+        </p:txBody>
+      </p:sp>
+      <p:pic>
+        <p:nvPicPr>
+          <p:cNvPr id="24" name="Picture 23" descr="Tide-Tide.png"/>
+          <p:cNvPicPr>
+            <a:picLocks noChangeAspect="1"/>
+          </p:cNvPicPr>
+          <p:nvPr/>
+        </p:nvPicPr>
+        <p:blipFill>
+          <a:blip r:embed="rId9"/>
+          <a:stretch>
+            <a:fillRect/>
+          </a:stretch>
+        </p:blipFill>
+        <p:spPr>
+          <a:xfrm>
+            <a:off x="30818068" y="18417242"/>
+            <a:ext cx="11701532" cy="12493737"/>
           </a:xfrm>
           <a:prstGeom prst="rect">
             <a:avLst/>

--- a/Documentation/presentations/transfer/Transfer_caGrid_AHM_2008.pptx
+++ b/Documentation/presentations/transfer/Transfer_caGrid_AHM_2008.pptx
@@ -289,7 +289,7 @@
             <a:fld id="{339DB51B-28D5-CA40-B042-16E22DA4B1D8}" type="datetimeFigureOut">
               <a:rPr lang="en-US" smtClean="0"/>
               <a:pPr/>
-              <a:t>6/8/08</a:t>
+              <a:t>6/9/08</a:t>
             </a:fld>
             <a:endParaRPr lang="en-US"/>
           </a:p>
@@ -456,7 +456,7 @@
             <a:fld id="{339DB51B-28D5-CA40-B042-16E22DA4B1D8}" type="datetimeFigureOut">
               <a:rPr lang="en-US" smtClean="0"/>
               <a:pPr/>
-              <a:t>6/8/08</a:t>
+              <a:t>6/9/08</a:t>
             </a:fld>
             <a:endParaRPr lang="en-US"/>
           </a:p>
@@ -633,7 +633,7 @@
             <a:fld id="{339DB51B-28D5-CA40-B042-16E22DA4B1D8}" type="datetimeFigureOut">
               <a:rPr lang="en-US" smtClean="0"/>
               <a:pPr/>
-              <a:t>6/8/08</a:t>
+              <a:t>6/9/08</a:t>
             </a:fld>
             <a:endParaRPr lang="en-US"/>
           </a:p>
@@ -800,7 +800,7 @@
             <a:fld id="{339DB51B-28D5-CA40-B042-16E22DA4B1D8}" type="datetimeFigureOut">
               <a:rPr lang="en-US" smtClean="0"/>
               <a:pPr/>
-              <a:t>6/8/08</a:t>
+              <a:t>6/9/08</a:t>
             </a:fld>
             <a:endParaRPr lang="en-US"/>
           </a:p>
@@ -1043,7 +1043,7 @@
             <a:fld id="{339DB51B-28D5-CA40-B042-16E22DA4B1D8}" type="datetimeFigureOut">
               <a:rPr lang="en-US" smtClean="0"/>
               <a:pPr/>
-              <a:t>6/8/08</a:t>
+              <a:t>6/9/08</a:t>
             </a:fld>
             <a:endParaRPr lang="en-US"/>
           </a:p>
@@ -1328,7 +1328,7 @@
             <a:fld id="{339DB51B-28D5-CA40-B042-16E22DA4B1D8}" type="datetimeFigureOut">
               <a:rPr lang="en-US" smtClean="0"/>
               <a:pPr/>
-              <a:t>6/8/08</a:t>
+              <a:t>6/9/08</a:t>
             </a:fld>
             <a:endParaRPr lang="en-US"/>
           </a:p>
@@ -1752,7 +1752,7 @@
             <a:fld id="{339DB51B-28D5-CA40-B042-16E22DA4B1D8}" type="datetimeFigureOut">
               <a:rPr lang="en-US" smtClean="0"/>
               <a:pPr/>
-              <a:t>6/8/08</a:t>
+              <a:t>6/9/08</a:t>
             </a:fld>
             <a:endParaRPr lang="en-US"/>
           </a:p>
@@ -1867,7 +1867,7 @@
             <a:fld id="{339DB51B-28D5-CA40-B042-16E22DA4B1D8}" type="datetimeFigureOut">
               <a:rPr lang="en-US" smtClean="0"/>
               <a:pPr/>
-              <a:t>6/8/08</a:t>
+              <a:t>6/9/08</a:t>
             </a:fld>
             <a:endParaRPr lang="en-US"/>
           </a:p>
@@ -1959,7 +1959,7 @@
             <a:fld id="{339DB51B-28D5-CA40-B042-16E22DA4B1D8}" type="datetimeFigureOut">
               <a:rPr lang="en-US" smtClean="0"/>
               <a:pPr/>
-              <a:t>6/8/08</a:t>
+              <a:t>6/9/08</a:t>
             </a:fld>
             <a:endParaRPr lang="en-US"/>
           </a:p>
@@ -2233,7 +2233,7 @@
             <a:fld id="{339DB51B-28D5-CA40-B042-16E22DA4B1D8}" type="datetimeFigureOut">
               <a:rPr lang="en-US" smtClean="0"/>
               <a:pPr/>
-              <a:t>6/8/08</a:t>
+              <a:t>6/9/08</a:t>
             </a:fld>
             <a:endParaRPr lang="en-US"/>
           </a:p>
@@ -2483,7 +2483,7 @@
             <a:fld id="{339DB51B-28D5-CA40-B042-16E22DA4B1D8}" type="datetimeFigureOut">
               <a:rPr lang="en-US" smtClean="0"/>
               <a:pPr/>
-              <a:t>6/8/08</a:t>
+              <a:t>6/9/08</a:t>
             </a:fld>
             <a:endParaRPr lang="en-US"/>
           </a:p>
@@ -2693,7 +2693,7 @@
             <a:fld id="{339DB51B-28D5-CA40-B042-16E22DA4B1D8}" type="datetimeFigureOut">
               <a:rPr lang="en-US" smtClean="0"/>
               <a:pPr/>
-              <a:t>6/8/08</a:t>
+              <a:t>6/9/08</a:t>
             </a:fld>
             <a:endParaRPr lang="en-US"/>
           </a:p>
@@ -3186,8 +3186,8 @@
         </p:nvSpPr>
         <p:spPr>
           <a:xfrm>
-            <a:off x="18973800" y="927824"/>
-            <a:ext cx="24268182" cy="3339376"/>
+            <a:off x="20529456" y="838200"/>
+            <a:ext cx="21151944" cy="3339376"/>
           </a:xfrm>
           <a:prstGeom prst="rect">
             <a:avLst/>
@@ -3202,42 +3202,42 @@
           <a:p>
             <a:pPr algn="ctr"/>
             <a:r>
-              <a:rPr lang="en-US" sz="11500" dirty="0" smtClean="0">
+              <a:rPr lang="en-US" sz="11500" b="1" dirty="0" smtClean="0">
                 <a:solidFill>
-                  <a:schemeClr val="bg1"/>
+                  <a:srgbClr val="E0E0E3"/>
                 </a:solidFill>
                 <a:effectLst>
                   <a:reflection stA="77000" endPos="75000" dir="5400000" sy="-100000" algn="bl" rotWithShape="0"/>
                 </a:effectLst>
-                <a:latin typeface="Arial Black"/>
-                <a:cs typeface="Arial Black"/>
+                <a:latin typeface="Helvetica Neue"/>
+                <a:cs typeface="Helvetica Neue"/>
               </a:rPr>
               <a:t>caGrid Transfer:</a:t>
             </a:r>
           </a:p>
           <a:p>
             <a:r>
-              <a:rPr lang="en-US" sz="9600" dirty="0" smtClean="0">
+              <a:rPr lang="en-US" sz="9600" b="1" dirty="0" smtClean="0">
                 <a:solidFill>
-                  <a:schemeClr val="bg1"/>
+                  <a:srgbClr val="E0E0E3"/>
                 </a:solidFill>
                 <a:effectLst>
                   <a:reflection stA="77000" endPos="75000" dir="5400000" sy="-100000" algn="bl" rotWithShape="0"/>
                 </a:effectLst>
-                <a:latin typeface="Arial Black"/>
-                <a:cs typeface="Arial Black"/>
+                <a:latin typeface="Helvetica Neue"/>
+                <a:cs typeface="Helvetica Neue"/>
               </a:rPr>
               <a:t>High Throughput Grid Data Transfer</a:t>
             </a:r>
-            <a:endParaRPr lang="en-US" sz="9600" dirty="0">
+            <a:endParaRPr lang="en-US" sz="9600" b="1" dirty="0">
               <a:solidFill>
-                <a:schemeClr val="bg1"/>
+                <a:srgbClr val="E0E0E3"/>
               </a:solidFill>
               <a:effectLst>
                 <a:reflection stA="77000" endPos="75000" dir="5400000" sy="-100000" algn="bl" rotWithShape="0"/>
               </a:effectLst>
-              <a:latin typeface="Arial Black"/>
-              <a:cs typeface="Arial Black"/>
+              <a:latin typeface="Helvetica Neue"/>
+              <a:cs typeface="Helvetica Neue"/>
             </a:endParaRPr>
           </a:p>
         </p:txBody>
@@ -3568,15 +3568,7 @@
             <a:pPr algn="just"/>
             <a:r>
               <a:rPr lang="en-US" sz="4000" dirty="0" smtClean="0"/>
-              <a:t>Many </a:t>
-            </a:r>
-            <a:r>
-              <a:rPr lang="en-US" sz="4000" dirty="0" smtClean="0"/>
-              <a:t>user groups in caGrid have expressed the need to transfer large data files in the grid without paying the penalty of serialization or deserialization or having to have the entire data in core memory.</a:t>
-            </a:r>
-            <a:r>
-              <a:rPr lang="en-US" sz="4000" dirty="0" smtClean="0"/>
-              <a:t> </a:t>
+              <a:t>Many user groups in caGrid have expressed the need to transfer large data files in the grid without paying the penalty of serialization or deserialization or having to have the entire data in core memory. </a:t>
             </a:r>
           </a:p>
           <a:p>
@@ -3601,15 +3593,7 @@
             </a:pPr>
             <a:r>
               <a:rPr lang="en-US" sz="4000" dirty="0" smtClean="0"/>
-              <a:t>caGrid </a:t>
-            </a:r>
-            <a:r>
-              <a:rPr lang="en-US" sz="4000" dirty="0" smtClean="0"/>
-              <a:t>BDT uses GridFTP as the underlying 3rd party transfer mechanism</a:t>
-            </a:r>
-            <a:r>
-              <a:rPr lang="en-US" sz="4000" dirty="0" smtClean="0"/>
-              <a:t>.</a:t>
+              <a:t>caGrid BDT uses GridFTP as the underlying 3rd party transfer mechanism.</a:t>
             </a:r>
           </a:p>
           <a:p>
@@ -3619,15 +3603,7 @@
             </a:pPr>
             <a:r>
               <a:rPr lang="en-US" sz="4000" dirty="0" smtClean="0"/>
-              <a:t>GridFTP </a:t>
-            </a:r>
-            <a:r>
-              <a:rPr lang="en-US" sz="4000" dirty="0" smtClean="0"/>
-              <a:t>server is not cross platform (currently on on C platform builds of globus)</a:t>
-            </a:r>
-            <a:r>
-              <a:rPr lang="en-US" sz="4000" dirty="0" smtClean="0"/>
-              <a:t>.</a:t>
+              <a:t>GridFTP server is not cross platform (currently on on C platform builds of globus).</a:t>
             </a:r>
           </a:p>
           <a:p>
@@ -3637,15 +3613,7 @@
             </a:pPr>
             <a:r>
               <a:rPr lang="en-US" sz="4000" dirty="0" smtClean="0"/>
-              <a:t>GridFTP </a:t>
-            </a:r>
-            <a:r>
-              <a:rPr lang="en-US" sz="4000" dirty="0" smtClean="0"/>
-              <a:t>requires a seperate globus-C installation as caGrid uses the JavaWS Core installation of globus</a:t>
-            </a:r>
-            <a:r>
-              <a:rPr lang="en-US" sz="4000" dirty="0" smtClean="0"/>
-              <a:t>.</a:t>
+              <a:t>GridFTP requires a seperate globus-C installation as caGrid uses the JavaWS Core installation of globus.</a:t>
             </a:r>
           </a:p>
           <a:p>
@@ -3655,15 +3623,7 @@
             </a:pPr>
             <a:r>
               <a:rPr lang="en-US" sz="4000" dirty="0" smtClean="0"/>
-              <a:t>GridFTP </a:t>
-            </a:r>
-            <a:r>
-              <a:rPr lang="en-US" sz="4000" dirty="0" smtClean="0"/>
-              <a:t>has to be extended to be able to make authorization callouts to a java based middleware such as caGrid</a:t>
-            </a:r>
-            <a:r>
-              <a:rPr lang="en-US" sz="4000" dirty="0" smtClean="0"/>
-              <a:t>.</a:t>
+              <a:t>GridFTP has to be extended to be able to make authorization callouts to a java based middleware such as caGrid.</a:t>
             </a:r>
           </a:p>
           <a:p>
@@ -3673,15 +3633,7 @@
             </a:pPr>
             <a:r>
               <a:rPr lang="en-US" sz="4000" dirty="0" smtClean="0"/>
-              <a:t>GridFTP </a:t>
-            </a:r>
-            <a:r>
-              <a:rPr lang="en-US" sz="4000" dirty="0" smtClean="0"/>
-              <a:t>installation and configuration is quite advanced for our user community</a:t>
-            </a:r>
-            <a:r>
-              <a:rPr lang="en-US" sz="4000" dirty="0" smtClean="0"/>
-              <a:t>.</a:t>
+              <a:t>GridFTP installation and configuration is quite advanced for our user community.</a:t>
             </a:r>
           </a:p>
           <a:p>
@@ -3691,15 +3643,7 @@
             </a:pPr>
             <a:r>
               <a:rPr lang="en-US" sz="4000" dirty="0" smtClean="0"/>
-              <a:t>Globus </a:t>
-            </a:r>
-            <a:r>
-              <a:rPr lang="en-US" sz="4000" dirty="0" smtClean="0"/>
-              <a:t>does not currently support SOAP </a:t>
-            </a:r>
-            <a:r>
-              <a:rPr lang="en-US" sz="4000" dirty="0" smtClean="0"/>
-              <a:t>attachments or MTOM in it’s 4.0.X version.</a:t>
+              <a:t>Globus does not currently support SOAP attachments or MTOM in it’s 4.0.X version.</a:t>
             </a:r>
           </a:p>
           <a:p>
@@ -3722,15 +3666,7 @@
             </a:pPr>
             <a:r>
               <a:rPr lang="en-US" sz="4000" dirty="0" smtClean="0"/>
-              <a:t>In </a:t>
-            </a:r>
-            <a:r>
-              <a:rPr lang="en-US" sz="4000" dirty="0" smtClean="0"/>
-              <a:t>order to better serve our user group we have come up with the following requirements for an alternative non-grid high performance delivery mechanism</a:t>
-            </a:r>
-            <a:r>
-              <a:rPr lang="en-US" sz="4000" dirty="0" smtClean="0"/>
-              <a:t>:</a:t>
+              <a:t>In order to better serve our user group we have come up with the following requirements for an alternative non-grid high performance delivery mechanism:</a:t>
             </a:r>
           </a:p>
           <a:p>
@@ -3740,15 +3676,7 @@
             </a:pPr>
             <a:r>
               <a:rPr lang="en-US" sz="4000" dirty="0" smtClean="0"/>
-              <a:t>Cross </a:t>
-            </a:r>
-            <a:r>
-              <a:rPr lang="en-US" sz="4000" dirty="0" smtClean="0"/>
-              <a:t>platform (utilize the container that will be hosting JavaWS Core Globus)</a:t>
-            </a:r>
-            <a:r>
-              <a:rPr lang="en-US" sz="4000" dirty="0" smtClean="0"/>
-              <a:t>.</a:t>
+              <a:t>Cross platform (utilize the container that will be hosting JavaWS Core Globus).</a:t>
             </a:r>
           </a:p>
           <a:p>
@@ -3758,15 +3686,7 @@
             </a:pPr>
             <a:r>
               <a:rPr lang="en-US" sz="4000" dirty="0" smtClean="0"/>
-              <a:t>One </a:t>
-            </a:r>
-            <a:r>
-              <a:rPr lang="en-US" sz="4000" dirty="0" smtClean="0"/>
-              <a:t>click/command install with no required configuration</a:t>
-            </a:r>
-            <a:r>
-              <a:rPr lang="en-US" sz="4000" dirty="0" smtClean="0"/>
-              <a:t>.</a:t>
+              <a:t>One click/command install with no required configuration.</a:t>
             </a:r>
           </a:p>
           <a:p>
@@ -3776,15 +3696,7 @@
             </a:pPr>
             <a:r>
               <a:rPr lang="en-US" sz="4000" dirty="0" smtClean="0"/>
-              <a:t>Work </a:t>
-            </a:r>
-            <a:r>
-              <a:rPr lang="en-US" sz="4000" dirty="0" smtClean="0"/>
-              <a:t>within the same web application container as caGrid is deployed.Utilize GSI sockets for securely transporting the data using the same proxy certificates issued in </a:t>
-            </a:r>
-            <a:r>
-              <a:rPr lang="en-US" sz="4000" dirty="0" smtClean="0"/>
-              <a:t>caGrid.</a:t>
+              <a:t>Work within the same web application container as caGrid is deployed.Utilize GSI sockets for securely transporting the data using the same proxy certificates issued in caGrid.</a:t>
             </a:r>
           </a:p>
           <a:p>
@@ -3794,11 +3706,7 @@
             </a:pPr>
             <a:r>
               <a:rPr lang="en-US" sz="4000" dirty="0" smtClean="0"/>
-              <a:t>No </a:t>
-            </a:r>
-            <a:r>
-              <a:rPr lang="en-US" sz="4000" dirty="0" smtClean="0"/>
-              <a:t>deserialization or serialization required on server or client.No minimum requirement for core memory.Support upload and download of data.</a:t>
+              <a:t>No deserialization or serialization required on server or client.No minimum requirement for core memory.Support upload and download of data.</a:t>
             </a:r>
             <a:endParaRPr lang="en-US" sz="4000" dirty="0"/>
           </a:p>
@@ -3834,11 +3742,6 @@
               </a:rPr>
               <a:t>caGrid Transfer is an Introduce Extension and supporting transfer service which will enable services and clients to download and upload bulk data easily and efficiently to and from grid services and clients.</a:t>
             </a:r>
-            <a:endParaRPr lang="en-US" sz="4400" i="1" dirty="0" smtClean="0">
-              <a:solidFill>
-                <a:prstClr val="black"/>
-              </a:solidFill>
-            </a:endParaRPr>
           </a:p>
         </p:txBody>
       </p:sp>
@@ -3899,11 +3802,7 @@
           <a:p>
             <a:r>
               <a:rPr lang="en-US" sz="4000" dirty="0" smtClean="0"/>
-              <a:t>The </a:t>
-            </a:r>
-            <a:r>
-              <a:rPr lang="en-US" sz="4000" dirty="0" smtClean="0"/>
-              <a:t>Tide system is designed to be a </a:t>
+              <a:t>The Tide system is designed to be a </a:t>
             </a:r>
             <a:r>
               <a:rPr lang="en-US" sz="4000" dirty="0" err="1" smtClean="0"/>
@@ -3911,15 +3810,7 @@
             </a:r>
             <a:r>
               <a:rPr lang="en-US" sz="4000" dirty="0" smtClean="0"/>
-              <a:t> like grid based parallel data transfer </a:t>
-            </a:r>
-            <a:r>
-              <a:rPr lang="en-US" sz="4000" dirty="0" smtClean="0"/>
-              <a:t>solution utilizing the caGrid Transfer mechanisms. </a:t>
-            </a:r>
-            <a:r>
-              <a:rPr lang="en-US" sz="4000" dirty="0" smtClean="0"/>
-              <a:t>It borrows some aspects from the overall </a:t>
+              <a:t> like grid based parallel data transfer solution utilizing the caGrid Transfer mechanisms. It borrows some aspects from the overall </a:t>
             </a:r>
             <a:r>
               <a:rPr lang="en-US" sz="4000" dirty="0" err="1" smtClean="0"/>
@@ -3935,59 +3826,7 @@
             </a:r>
             <a:r>
               <a:rPr lang="en-US" sz="4000" dirty="0" smtClean="0"/>
-              <a:t>. That is, because the data we are talking about </a:t>
-            </a:r>
-            <a:r>
-              <a:rPr lang="en-US" sz="4000" dirty="0" smtClean="0"/>
-              <a:t>transferring</a:t>
-            </a:r>
-            <a:r>
-              <a:rPr lang="en-US" sz="4000" dirty="0" smtClean="0"/>
-              <a:t> </a:t>
-            </a:r>
-            <a:r>
-              <a:rPr lang="en-US" sz="4000" dirty="0" smtClean="0"/>
-              <a:t>may </a:t>
-            </a:r>
-            <a:r>
-              <a:rPr lang="en-US" sz="4000" dirty="0" smtClean="0"/>
-              <a:t>only be read by certain people from a certain group or with certain credentials. By limiting the potential data </a:t>
-            </a:r>
-            <a:r>
-              <a:rPr lang="en-US" sz="4000" dirty="0" smtClean="0"/>
-              <a:t>consumers there </a:t>
-            </a:r>
-            <a:r>
-              <a:rPr lang="en-US" sz="4000" dirty="0" smtClean="0"/>
-              <a:t>will not be much use, at least </a:t>
-            </a:r>
-            <a:r>
-              <a:rPr lang="en-US" sz="4000" dirty="0" smtClean="0"/>
-              <a:t>early </a:t>
-            </a:r>
-            <a:r>
-              <a:rPr lang="en-US" sz="4000" dirty="0" smtClean="0"/>
-              <a:t>on, for supporting swarms style data transfer. That is, data that is being peer to peer</a:t>
-            </a:r>
-            <a:r>
-              <a:rPr lang="en-US" sz="4000" dirty="0" smtClean="0"/>
-              <a:t> transferred </a:t>
-            </a:r>
-            <a:r>
-              <a:rPr lang="en-US" sz="4000" dirty="0" smtClean="0"/>
-              <a:t>to consumers who are</a:t>
-            </a:r>
-            <a:r>
-              <a:rPr lang="en-US" sz="4000" dirty="0" smtClean="0"/>
-              <a:t> reading the </a:t>
-            </a:r>
-            <a:r>
-              <a:rPr lang="en-US" sz="4000" dirty="0" smtClean="0"/>
-              <a:t>same data at the same time. This scenario will be unlikely to occur judging from our use cases. So Tide attempts to be very simple in the way that it stores, publishes, and advertises data </a:t>
-            </a:r>
-            <a:r>
-              <a:rPr lang="en-US" sz="4000" dirty="0" smtClean="0"/>
-              <a:t>replicas.  The Tide software is in Incubation in caGrid and may be available in future releases.</a:t>
+              <a:t>. That is, because the data we are talking about transferring may only be read by certain people from a certain group or with certain credentials. By limiting the potential data consumers there will not be much use, at least early on, for supporting swarms style data transfer. That is, data that is being peer to peer transferred to consumers who are reading the same data at the same time. This scenario will be unlikely to occur judging from our use cases. So Tide attempts to be very simple in the way that it stores, publishes, and advertises data replicas.  The Tide software is in Incubation in caGrid and may be available in future releases.</a:t>
             </a:r>
             <a:endParaRPr lang="en-US" sz="4000" dirty="0"/>
           </a:p>

--- a/Documentation/presentations/transfer/Transfer_caGrid_AHM_2008.pptx
+++ b/Documentation/presentations/transfer/Transfer_caGrid_AHM_2008.pptx
@@ -289,7 +289,7 @@
             <a:fld id="{339DB51B-28D5-CA40-B042-16E22DA4B1D8}" type="datetimeFigureOut">
               <a:rPr lang="en-US" smtClean="0"/>
               <a:pPr/>
-              <a:t>6/9/08</a:t>
+              <a:t>6/10/08</a:t>
             </a:fld>
             <a:endParaRPr lang="en-US"/>
           </a:p>
@@ -456,7 +456,7 @@
             <a:fld id="{339DB51B-28D5-CA40-B042-16E22DA4B1D8}" type="datetimeFigureOut">
               <a:rPr lang="en-US" smtClean="0"/>
               <a:pPr/>
-              <a:t>6/9/08</a:t>
+              <a:t>6/10/08</a:t>
             </a:fld>
             <a:endParaRPr lang="en-US"/>
           </a:p>
@@ -633,7 +633,7 @@
             <a:fld id="{339DB51B-28D5-CA40-B042-16E22DA4B1D8}" type="datetimeFigureOut">
               <a:rPr lang="en-US" smtClean="0"/>
               <a:pPr/>
-              <a:t>6/9/08</a:t>
+              <a:t>6/10/08</a:t>
             </a:fld>
             <a:endParaRPr lang="en-US"/>
           </a:p>
@@ -800,7 +800,7 @@
             <a:fld id="{339DB51B-28D5-CA40-B042-16E22DA4B1D8}" type="datetimeFigureOut">
               <a:rPr lang="en-US" smtClean="0"/>
               <a:pPr/>
-              <a:t>6/9/08</a:t>
+              <a:t>6/10/08</a:t>
             </a:fld>
             <a:endParaRPr lang="en-US"/>
           </a:p>
@@ -1043,7 +1043,7 @@
             <a:fld id="{339DB51B-28D5-CA40-B042-16E22DA4B1D8}" type="datetimeFigureOut">
               <a:rPr lang="en-US" smtClean="0"/>
               <a:pPr/>
-              <a:t>6/9/08</a:t>
+              <a:t>6/10/08</a:t>
             </a:fld>
             <a:endParaRPr lang="en-US"/>
           </a:p>
@@ -1328,7 +1328,7 @@
             <a:fld id="{339DB51B-28D5-CA40-B042-16E22DA4B1D8}" type="datetimeFigureOut">
               <a:rPr lang="en-US" smtClean="0"/>
               <a:pPr/>
-              <a:t>6/9/08</a:t>
+              <a:t>6/10/08</a:t>
             </a:fld>
             <a:endParaRPr lang="en-US"/>
           </a:p>
@@ -1752,7 +1752,7 @@
             <a:fld id="{339DB51B-28D5-CA40-B042-16E22DA4B1D8}" type="datetimeFigureOut">
               <a:rPr lang="en-US" smtClean="0"/>
               <a:pPr/>
-              <a:t>6/9/08</a:t>
+              <a:t>6/10/08</a:t>
             </a:fld>
             <a:endParaRPr lang="en-US"/>
           </a:p>
@@ -1867,7 +1867,7 @@
             <a:fld id="{339DB51B-28D5-CA40-B042-16E22DA4B1D8}" type="datetimeFigureOut">
               <a:rPr lang="en-US" smtClean="0"/>
               <a:pPr/>
-              <a:t>6/9/08</a:t>
+              <a:t>6/10/08</a:t>
             </a:fld>
             <a:endParaRPr lang="en-US"/>
           </a:p>
@@ -1959,7 +1959,7 @@
             <a:fld id="{339DB51B-28D5-CA40-B042-16E22DA4B1D8}" type="datetimeFigureOut">
               <a:rPr lang="en-US" smtClean="0"/>
               <a:pPr/>
-              <a:t>6/9/08</a:t>
+              <a:t>6/10/08</a:t>
             </a:fld>
             <a:endParaRPr lang="en-US"/>
           </a:p>
@@ -2233,7 +2233,7 @@
             <a:fld id="{339DB51B-28D5-CA40-B042-16E22DA4B1D8}" type="datetimeFigureOut">
               <a:rPr lang="en-US" smtClean="0"/>
               <a:pPr/>
-              <a:t>6/9/08</a:t>
+              <a:t>6/10/08</a:t>
             </a:fld>
             <a:endParaRPr lang="en-US"/>
           </a:p>
@@ -2483,7 +2483,7 @@
             <a:fld id="{339DB51B-28D5-CA40-B042-16E22DA4B1D8}" type="datetimeFigureOut">
               <a:rPr lang="en-US" smtClean="0"/>
               <a:pPr/>
-              <a:t>6/9/08</a:t>
+              <a:t>6/10/08</a:t>
             </a:fld>
             <a:endParaRPr lang="en-US"/>
           </a:p>
@@ -2693,7 +2693,7 @@
             <a:fld id="{339DB51B-28D5-CA40-B042-16E22DA4B1D8}" type="datetimeFigureOut">
               <a:rPr lang="en-US" smtClean="0"/>
               <a:pPr/>
-              <a:t>6/9/08</a:t>
+              <a:t>6/10/08</a:t>
             </a:fld>
             <a:endParaRPr lang="en-US"/>
           </a:p>
@@ -3207,7 +3207,7 @@
                   <a:srgbClr val="E0E0E3"/>
                 </a:solidFill>
                 <a:effectLst>
-                  <a:reflection stA="77000" endPos="75000" dir="5400000" sy="-100000" algn="bl" rotWithShape="0"/>
+                  <a:reflection stA="26000" endPos="75000" dir="5400000" sy="-100000" algn="bl" rotWithShape="0"/>
                 </a:effectLst>
                 <a:latin typeface="Helvetica Neue"/>
                 <a:cs typeface="Helvetica Neue"/>
@@ -3222,7 +3222,7 @@
                   <a:srgbClr val="E0E0E3"/>
                 </a:solidFill>
                 <a:effectLst>
-                  <a:reflection stA="77000" endPos="75000" dir="5400000" sy="-100000" algn="bl" rotWithShape="0"/>
+                  <a:reflection stA="26000" endPos="75000" dir="5400000" sy="-100000" algn="bl" rotWithShape="0"/>
                 </a:effectLst>
                 <a:latin typeface="Helvetica Neue"/>
                 <a:cs typeface="Helvetica Neue"/>
@@ -3234,7 +3234,7 @@
                 <a:srgbClr val="E0E0E3"/>
               </a:solidFill>
               <a:effectLst>
-                <a:reflection stA="77000" endPos="75000" dir="5400000" sy="-100000" algn="bl" rotWithShape="0"/>
+                <a:reflection stA="26000" endPos="75000" dir="5400000" sy="-100000" algn="bl" rotWithShape="0"/>
               </a:effectLst>
               <a:latin typeface="Helvetica Neue"/>
               <a:cs typeface="Helvetica Neue"/>
@@ -3720,8 +3720,8 @@
         </p:nvSpPr>
         <p:spPr>
           <a:xfrm>
-            <a:off x="2514600" y="6248400"/>
-            <a:ext cx="12192000" cy="2800767"/>
+            <a:off x="2261464" y="6248400"/>
+            <a:ext cx="12445136" cy="2800767"/>
           </a:xfrm>
           <a:prstGeom prst="rect">
             <a:avLst/>
@@ -3761,8 +3761,8 @@
         </p:blipFill>
         <p:spPr>
           <a:xfrm>
-            <a:off x="383592" y="6221052"/>
-            <a:ext cx="1877872" cy="2347340"/>
+            <a:off x="230648" y="6553200"/>
+            <a:ext cx="1767840" cy="2209800"/>
           </a:xfrm>
           <a:prstGeom prst="rect">
             <a:avLst/>

--- a/Documentation/presentations/transfer/Transfer_caGrid_AHM_2008.pptx
+++ b/Documentation/presentations/transfer/Transfer_caGrid_AHM_2008.pptx
@@ -289,7 +289,7 @@
             <a:fld id="{339DB51B-28D5-CA40-B042-16E22DA4B1D8}" type="datetimeFigureOut">
               <a:rPr lang="en-US" smtClean="0"/>
               <a:pPr/>
-              <a:t>6/10/08</a:t>
+              <a:t>6/12/08</a:t>
             </a:fld>
             <a:endParaRPr lang="en-US"/>
           </a:p>
@@ -456,7 +456,7 @@
             <a:fld id="{339DB51B-28D5-CA40-B042-16E22DA4B1D8}" type="datetimeFigureOut">
               <a:rPr lang="en-US" smtClean="0"/>
               <a:pPr/>
-              <a:t>6/10/08</a:t>
+              <a:t>6/12/08</a:t>
             </a:fld>
             <a:endParaRPr lang="en-US"/>
           </a:p>
@@ -633,7 +633,7 @@
             <a:fld id="{339DB51B-28D5-CA40-B042-16E22DA4B1D8}" type="datetimeFigureOut">
               <a:rPr lang="en-US" smtClean="0"/>
               <a:pPr/>
-              <a:t>6/10/08</a:t>
+              <a:t>6/12/08</a:t>
             </a:fld>
             <a:endParaRPr lang="en-US"/>
           </a:p>
@@ -800,7 +800,7 @@
             <a:fld id="{339DB51B-28D5-CA40-B042-16E22DA4B1D8}" type="datetimeFigureOut">
               <a:rPr lang="en-US" smtClean="0"/>
               <a:pPr/>
-              <a:t>6/10/08</a:t>
+              <a:t>6/12/08</a:t>
             </a:fld>
             <a:endParaRPr lang="en-US"/>
           </a:p>
@@ -1043,7 +1043,7 @@
             <a:fld id="{339DB51B-28D5-CA40-B042-16E22DA4B1D8}" type="datetimeFigureOut">
               <a:rPr lang="en-US" smtClean="0"/>
               <a:pPr/>
-              <a:t>6/10/08</a:t>
+              <a:t>6/12/08</a:t>
             </a:fld>
             <a:endParaRPr lang="en-US"/>
           </a:p>
@@ -1328,7 +1328,7 @@
             <a:fld id="{339DB51B-28D5-CA40-B042-16E22DA4B1D8}" type="datetimeFigureOut">
               <a:rPr lang="en-US" smtClean="0"/>
               <a:pPr/>
-              <a:t>6/10/08</a:t>
+              <a:t>6/12/08</a:t>
             </a:fld>
             <a:endParaRPr lang="en-US"/>
           </a:p>
@@ -1752,7 +1752,7 @@
             <a:fld id="{339DB51B-28D5-CA40-B042-16E22DA4B1D8}" type="datetimeFigureOut">
               <a:rPr lang="en-US" smtClean="0"/>
               <a:pPr/>
-              <a:t>6/10/08</a:t>
+              <a:t>6/12/08</a:t>
             </a:fld>
             <a:endParaRPr lang="en-US"/>
           </a:p>
@@ -1867,7 +1867,7 @@
             <a:fld id="{339DB51B-28D5-CA40-B042-16E22DA4B1D8}" type="datetimeFigureOut">
               <a:rPr lang="en-US" smtClean="0"/>
               <a:pPr/>
-              <a:t>6/10/08</a:t>
+              <a:t>6/12/08</a:t>
             </a:fld>
             <a:endParaRPr lang="en-US"/>
           </a:p>
@@ -1959,7 +1959,7 @@
             <a:fld id="{339DB51B-28D5-CA40-B042-16E22DA4B1D8}" type="datetimeFigureOut">
               <a:rPr lang="en-US" smtClean="0"/>
               <a:pPr/>
-              <a:t>6/10/08</a:t>
+              <a:t>6/12/08</a:t>
             </a:fld>
             <a:endParaRPr lang="en-US"/>
           </a:p>
@@ -2233,7 +2233,7 @@
             <a:fld id="{339DB51B-28D5-CA40-B042-16E22DA4B1D8}" type="datetimeFigureOut">
               <a:rPr lang="en-US" smtClean="0"/>
               <a:pPr/>
-              <a:t>6/10/08</a:t>
+              <a:t>6/12/08</a:t>
             </a:fld>
             <a:endParaRPr lang="en-US"/>
           </a:p>
@@ -2483,7 +2483,7 @@
             <a:fld id="{339DB51B-28D5-CA40-B042-16E22DA4B1D8}" type="datetimeFigureOut">
               <a:rPr lang="en-US" smtClean="0"/>
               <a:pPr/>
-              <a:t>6/10/08</a:t>
+              <a:t>6/12/08</a:t>
             </a:fld>
             <a:endParaRPr lang="en-US"/>
           </a:p>
@@ -2693,7 +2693,7 @@
             <a:fld id="{339DB51B-28D5-CA40-B042-16E22DA4B1D8}" type="datetimeFigureOut">
               <a:rPr lang="en-US" smtClean="0"/>
               <a:pPr/>
-              <a:t>6/10/08</a:t>
+              <a:t>6/12/08</a:t>
             </a:fld>
             <a:endParaRPr lang="en-US"/>
           </a:p>
@@ -3510,30 +3510,6 @@
           </a:prstGeom>
         </p:spPr>
       </p:pic>
-      <p:pic>
-        <p:nvPicPr>
-          <p:cNvPr id="15" name="Picture 14" descr="CaGridTransfer-GridTransferService.jpg"/>
-          <p:cNvPicPr>
-            <a:picLocks noChangeAspect="1"/>
-          </p:cNvPicPr>
-          <p:nvPr/>
-        </p:nvPicPr>
-        <p:blipFill>
-          <a:blip r:embed="rId7"/>
-          <a:stretch>
-            <a:fillRect/>
-          </a:stretch>
-        </p:blipFill>
-        <p:spPr>
-          <a:xfrm>
-            <a:off x="15114728" y="6324600"/>
-            <a:ext cx="14831872" cy="17281581"/>
-          </a:xfrm>
-          <a:prstGeom prst="rect">
-            <a:avLst/>
-          </a:prstGeom>
-        </p:spPr>
-      </p:pic>
       <p:sp>
         <p:nvSpPr>
           <p:cNvPr id="18" name="Rectangle 17"/>
@@ -3754,7 +3730,7 @@
           <p:nvPr/>
         </p:nvPicPr>
         <p:blipFill>
-          <a:blip r:embed="rId8"/>
+          <a:blip r:embed="rId7"/>
           <a:stretch>
             <a:fillRect/>
           </a:stretch>
@@ -3841,7 +3817,7 @@
           <p:nvPr/>
         </p:nvPicPr>
         <p:blipFill>
-          <a:blip r:embed="rId9"/>
+          <a:blip r:embed="rId8"/>
           <a:stretch>
             <a:fillRect/>
           </a:stretch>
@@ -3856,11 +3832,215 @@
           </a:prstGeom>
         </p:spPr>
       </p:pic>
+      <p:pic>
+        <p:nvPicPr>
+          <p:cNvPr id="19" name="Picture 18" descr="transfer.pdf"/>
+          <p:cNvPicPr>
+            <a:picLocks noChangeAspect="1"/>
+          </p:cNvPicPr>
+          <p:nvPr/>
+        </p:nvPicPr>
+        <mc:AlternateContent xmlns:ma="http://schemas.microsoft.com/office/mac/drawingml/2008/main">
+          <mc:Choice Requires="ma">
+            <p:blipFill>
+              <a:blip r:embed="rId9"/>
+              <a:stretch>
+                <a:fillRect/>
+              </a:stretch>
+            </p:blipFill>
+          </mc:Choice>
+          <mc:Fallback xmlns:p="http://schemas.openxmlformats.org/presentationml/2006/main" xmlns:mv="urn:schemas-microsoft-com:mac:vml" xmlns:mc="http://schemas.openxmlformats.org/markup-compatibility/2006" xmlns:r="http://schemas.openxmlformats.org/officeDocument/2006/relationships" xmlns:a="http://schemas.openxmlformats.org/drawingml/2006/main" xmlns="">
+            <p:blipFill>
+              <a:blip r:embed="rId10"/>
+              <a:stretch>
+                <a:fillRect/>
+              </a:stretch>
+            </p:blipFill>
+          </mc:Fallback>
+        </mc:AlternateContent>
+        <p:spPr>
+          <a:xfrm>
+            <a:off x="14782800" y="6248400"/>
+            <a:ext cx="15319734" cy="17691822"/>
+          </a:xfrm>
+          <a:prstGeom prst="rect">
+            <a:avLst/>
+          </a:prstGeom>
+        </p:spPr>
+      </p:pic>
+      <p:sp>
+        <p:nvSpPr>
+          <p:cNvPr id="22" name="Rectangle 21"/>
+          <p:cNvSpPr/>
+          <p:nvPr/>
+        </p:nvSpPr>
+        <p:spPr>
+          <a:xfrm>
+            <a:off x="14706600" y="24076759"/>
+            <a:ext cx="15544800" cy="6555641"/>
+          </a:xfrm>
+          <a:prstGeom prst="rect">
+            <a:avLst/>
+          </a:prstGeom>
+        </p:spPr>
+        <p:txBody>
+          <a:bodyPr wrap="square">
+            <a:spAutoFit/>
+          </a:bodyPr>
+          <a:lstStyle/>
+          <a:p>
+            <a:pPr>
+              <a:spcAft>
+                <a:spcPts val="1800"/>
+              </a:spcAft>
+            </a:pPr>
+            <a:r>
+              <a:rPr lang="en-US" sz="4000" dirty="0" smtClean="0"/>
+              <a:t>Early Adopters:</a:t>
+            </a:r>
+          </a:p>
+          <a:p>
+            <a:pPr>
+              <a:spcAft>
+                <a:spcPts val="1800"/>
+              </a:spcAft>
+            </a:pPr>
+            <a:r>
+              <a:rPr lang="en-US" sz="4000" dirty="0" err="1" smtClean="0"/>
+              <a:t>caGrid</a:t>
+            </a:r>
+            <a:r>
+              <a:rPr lang="en-US" sz="4000" dirty="0" smtClean="0"/>
+              <a:t> -- </a:t>
+            </a:r>
+            <a:r>
+              <a:rPr lang="en-US" sz="4000" i="1" dirty="0" smtClean="0"/>
+              <a:t>XML </a:t>
+            </a:r>
+            <a:r>
+              <a:rPr lang="en-US" sz="4000" i="1" dirty="0" smtClean="0"/>
+              <a:t>Data Service </a:t>
+            </a:r>
+            <a:r>
+              <a:rPr lang="en-US" sz="4000" i="1" dirty="0" smtClean="0"/>
+              <a:t>Style</a:t>
+            </a:r>
+            <a:r>
+              <a:rPr lang="en-US" sz="4000" i="1" dirty="0" smtClean="0"/>
+              <a:t>:</a:t>
+            </a:r>
+            <a:r>
+              <a:rPr lang="en-US" sz="4000" i="1" dirty="0" smtClean="0"/>
+              <a:t> </a:t>
+            </a:r>
+            <a:r>
+              <a:rPr lang="en-US" sz="4000" i="1" dirty="0" smtClean="0"/>
+              <a:t>transfer large xml document and large number of xml documents (via Zip stream)</a:t>
+            </a:r>
+            <a:endParaRPr lang="en-US" sz="4000" i="1" dirty="0" smtClean="0"/>
+          </a:p>
+          <a:p>
+            <a:pPr>
+              <a:spcAft>
+                <a:spcPts val="1800"/>
+              </a:spcAft>
+            </a:pPr>
+            <a:r>
+              <a:rPr lang="en-US" sz="4000" dirty="0" smtClean="0"/>
+              <a:t>In-Vivo Imaging Middleware -- </a:t>
+            </a:r>
+            <a:r>
+              <a:rPr lang="en-US" sz="4000" i="1" dirty="0" smtClean="0"/>
+              <a:t>IVI </a:t>
+            </a:r>
+            <a:r>
+              <a:rPr lang="en-US" sz="4000" i="1" dirty="0" smtClean="0"/>
+              <a:t>Middleware CERR Data </a:t>
+            </a:r>
+            <a:r>
+              <a:rPr lang="en-US" sz="4000" i="1" dirty="0" smtClean="0"/>
+              <a:t>Service: transfer </a:t>
+            </a:r>
+            <a:r>
+              <a:rPr lang="en-US" sz="4000" i="1" dirty="0" smtClean="0"/>
+              <a:t>CERR objects both in upload and download</a:t>
+            </a:r>
+            <a:endParaRPr lang="en-US" sz="4000" i="1" dirty="0" smtClean="0"/>
+          </a:p>
+          <a:p>
+            <a:pPr>
+              <a:spcAft>
+                <a:spcPts val="1800"/>
+              </a:spcAft>
+            </a:pPr>
+            <a:r>
+              <a:rPr lang="en-US" sz="4000" dirty="0" smtClean="0"/>
+              <a:t>National Cancer Imaging Archive -- </a:t>
+            </a:r>
+            <a:r>
+              <a:rPr lang="en-US" sz="4000" i="1" dirty="0" smtClean="0"/>
+              <a:t>NCIA </a:t>
+            </a:r>
+            <a:r>
+              <a:rPr lang="en-US" sz="4000" i="1" dirty="0" smtClean="0"/>
+              <a:t>Data </a:t>
+            </a:r>
+            <a:r>
+              <a:rPr lang="en-US" sz="4000" i="1" dirty="0" smtClean="0"/>
+              <a:t>Service: transfer </a:t>
+            </a:r>
+            <a:r>
+              <a:rPr lang="en-US" sz="4000" i="1" dirty="0" smtClean="0"/>
+              <a:t>DICOM images, both upload and download</a:t>
+            </a:r>
+            <a:endParaRPr lang="en-US" sz="4000" i="1" dirty="0" smtClean="0"/>
+          </a:p>
+          <a:p>
+            <a:pPr>
+              <a:spcAft>
+                <a:spcPts val="3600"/>
+              </a:spcAft>
+            </a:pPr>
+            <a:r>
+              <a:rPr lang="en-US" sz="4000" dirty="0" smtClean="0"/>
+              <a:t>In-Vivo Imaging Middleware -- </a:t>
+            </a:r>
+            <a:r>
+              <a:rPr lang="en-US" sz="4000" i="1" dirty="0" smtClean="0"/>
+              <a:t>IVI </a:t>
+            </a:r>
+            <a:r>
+              <a:rPr lang="en-US" sz="4000" i="1" dirty="0" smtClean="0"/>
+              <a:t>Middleware DICOM Data </a:t>
+            </a:r>
+            <a:r>
+              <a:rPr lang="en-US" sz="4000" i="1" dirty="0" smtClean="0"/>
+              <a:t>Service: transfer </a:t>
+            </a:r>
+            <a:r>
+              <a:rPr lang="en-US" sz="4000" i="1" dirty="0" smtClean="0"/>
+              <a:t>DICOM images, both upload and </a:t>
+            </a:r>
+            <a:r>
+              <a:rPr lang="en-US" sz="4000" i="1" dirty="0" smtClean="0"/>
+              <a:t>download</a:t>
+            </a:r>
+            <a:endParaRPr lang="en-US" sz="4000" i="1" dirty="0"/>
+          </a:p>
+        </p:txBody>
+      </p:sp>
     </p:spTree>
   </p:cSld>
   <p:clrMapOvr>
     <a:masterClrMapping/>
   </p:clrMapOvr>
+  <p:timing>
+    <p:tnLst>
+      <p:par>
+        <p:cTn id="1" dur="indefinite" restart="never" nodeType="tmRoot"/>
+      </p:par>
+    </p:tnLst>
+  </p:timing>
 </p:sld>
 </file>
 

--- a/Documentation/presentations/transfer/Transfer_caGrid_AHM_2008.pptx
+++ b/Documentation/presentations/transfer/Transfer_caGrid_AHM_2008.pptx
@@ -289,7 +289,7 @@
             <a:fld id="{339DB51B-28D5-CA40-B042-16E22DA4B1D8}" type="datetimeFigureOut">
               <a:rPr lang="en-US" smtClean="0"/>
               <a:pPr/>
-              <a:t>6/12/08</a:t>
+              <a:t>6/13/08</a:t>
             </a:fld>
             <a:endParaRPr lang="en-US"/>
           </a:p>
@@ -456,7 +456,7 @@
             <a:fld id="{339DB51B-28D5-CA40-B042-16E22DA4B1D8}" type="datetimeFigureOut">
               <a:rPr lang="en-US" smtClean="0"/>
               <a:pPr/>
-              <a:t>6/12/08</a:t>
+              <a:t>6/13/08</a:t>
             </a:fld>
             <a:endParaRPr lang="en-US"/>
           </a:p>
@@ -633,7 +633,7 @@
             <a:fld id="{339DB51B-28D5-CA40-B042-16E22DA4B1D8}" type="datetimeFigureOut">
               <a:rPr lang="en-US" smtClean="0"/>
               <a:pPr/>
-              <a:t>6/12/08</a:t>
+              <a:t>6/13/08</a:t>
             </a:fld>
             <a:endParaRPr lang="en-US"/>
           </a:p>
@@ -800,7 +800,7 @@
             <a:fld id="{339DB51B-28D5-CA40-B042-16E22DA4B1D8}" type="datetimeFigureOut">
               <a:rPr lang="en-US" smtClean="0"/>
               <a:pPr/>
-              <a:t>6/12/08</a:t>
+              <a:t>6/13/08</a:t>
             </a:fld>
             <a:endParaRPr lang="en-US"/>
           </a:p>
@@ -1043,7 +1043,7 @@
             <a:fld id="{339DB51B-28D5-CA40-B042-16E22DA4B1D8}" type="datetimeFigureOut">
               <a:rPr lang="en-US" smtClean="0"/>
               <a:pPr/>
-              <a:t>6/12/08</a:t>
+              <a:t>6/13/08</a:t>
             </a:fld>
             <a:endParaRPr lang="en-US"/>
           </a:p>
@@ -1328,7 +1328,7 @@
             <a:fld id="{339DB51B-28D5-CA40-B042-16E22DA4B1D8}" type="datetimeFigureOut">
               <a:rPr lang="en-US" smtClean="0"/>
               <a:pPr/>
-              <a:t>6/12/08</a:t>
+              <a:t>6/13/08</a:t>
             </a:fld>
             <a:endParaRPr lang="en-US"/>
           </a:p>
@@ -1752,7 +1752,7 @@
             <a:fld id="{339DB51B-28D5-CA40-B042-16E22DA4B1D8}" type="datetimeFigureOut">
               <a:rPr lang="en-US" smtClean="0"/>
               <a:pPr/>
-              <a:t>6/12/08</a:t>
+              <a:t>6/13/08</a:t>
             </a:fld>
             <a:endParaRPr lang="en-US"/>
           </a:p>
@@ -1867,7 +1867,7 @@
             <a:fld id="{339DB51B-28D5-CA40-B042-16E22DA4B1D8}" type="datetimeFigureOut">
               <a:rPr lang="en-US" smtClean="0"/>
               <a:pPr/>
-              <a:t>6/12/08</a:t>
+              <a:t>6/13/08</a:t>
             </a:fld>
             <a:endParaRPr lang="en-US"/>
           </a:p>
@@ -1959,7 +1959,7 @@
             <a:fld id="{339DB51B-28D5-CA40-B042-16E22DA4B1D8}" type="datetimeFigureOut">
               <a:rPr lang="en-US" smtClean="0"/>
               <a:pPr/>
-              <a:t>6/12/08</a:t>
+              <a:t>6/13/08</a:t>
             </a:fld>
             <a:endParaRPr lang="en-US"/>
           </a:p>
@@ -2233,7 +2233,7 @@
             <a:fld id="{339DB51B-28D5-CA40-B042-16E22DA4B1D8}" type="datetimeFigureOut">
               <a:rPr lang="en-US" smtClean="0"/>
               <a:pPr/>
-              <a:t>6/12/08</a:t>
+              <a:t>6/13/08</a:t>
             </a:fld>
             <a:endParaRPr lang="en-US"/>
           </a:p>
@@ -2483,7 +2483,7 @@
             <a:fld id="{339DB51B-28D5-CA40-B042-16E22DA4B1D8}" type="datetimeFigureOut">
               <a:rPr lang="en-US" smtClean="0"/>
               <a:pPr/>
-              <a:t>6/12/08</a:t>
+              <a:t>6/13/08</a:t>
             </a:fld>
             <a:endParaRPr lang="en-US"/>
           </a:p>
@@ -2693,7 +2693,7 @@
             <a:fld id="{339DB51B-28D5-CA40-B042-16E22DA4B1D8}" type="datetimeFigureOut">
               <a:rPr lang="en-US" smtClean="0"/>
               <a:pPr/>
-              <a:t>6/12/08</a:t>
+              <a:t>6/13/08</a:t>
             </a:fld>
             <a:endParaRPr lang="en-US"/>
           </a:p>
@@ -3064,6 +3064,96 @@
           <a:chExt cx="0" cy="0"/>
         </a:xfrm>
       </p:grpSpPr>
+      <p:sp>
+        <p:nvSpPr>
+          <p:cNvPr id="6" name="Rectangle 5"/>
+          <p:cNvSpPr/>
+          <p:nvPr/>
+        </p:nvSpPr>
+        <p:spPr>
+          <a:xfrm>
+            <a:off x="0" y="31242000"/>
+            <a:ext cx="43891200" cy="1676400"/>
+          </a:xfrm>
+          <a:prstGeom prst="rect">
+            <a:avLst/>
+          </a:prstGeom>
+          <a:solidFill>
+            <a:srgbClr val="292A42"/>
+          </a:solidFill>
+          <a:ln>
+            <a:noFill/>
+          </a:ln>
+          <a:effectLst/>
+        </p:spPr>
+        <p:style>
+          <a:lnRef idx="1">
+            <a:schemeClr val="accent1"/>
+          </a:lnRef>
+          <a:fillRef idx="3">
+            <a:schemeClr val="accent1"/>
+          </a:fillRef>
+          <a:effectRef idx="2">
+            <a:schemeClr val="accent1"/>
+          </a:effectRef>
+          <a:fontRef idx="minor">
+            <a:schemeClr val="lt1"/>
+          </a:fontRef>
+        </p:style>
+        <p:txBody>
+          <a:bodyPr rtlCol="0" anchor="ctr"/>
+          <a:lstStyle/>
+          <a:p>
+            <a:pPr algn="ctr"/>
+            <a:endParaRPr lang="en-US"/>
+          </a:p>
+        </p:txBody>
+      </p:sp>
+      <p:sp>
+        <p:nvSpPr>
+          <p:cNvPr id="33" name="Terminator 32"/>
+          <p:cNvSpPr/>
+          <p:nvPr/>
+        </p:nvSpPr>
+        <p:spPr>
+          <a:xfrm>
+            <a:off x="21031200" y="31242000"/>
+            <a:ext cx="14020800" cy="1676400"/>
+          </a:xfrm>
+          <a:prstGeom prst="flowChartTerminator">
+            <a:avLst/>
+          </a:prstGeom>
+          <a:solidFill>
+            <a:schemeClr val="bg1"/>
+          </a:solidFill>
+          <a:ln>
+            <a:noFill/>
+          </a:ln>
+          <a:effectLst/>
+        </p:spPr>
+        <p:style>
+          <a:lnRef idx="1">
+            <a:schemeClr val="accent1"/>
+          </a:lnRef>
+          <a:fillRef idx="3">
+            <a:schemeClr val="accent1"/>
+          </a:fillRef>
+          <a:effectRef idx="2">
+            <a:schemeClr val="accent1"/>
+          </a:effectRef>
+          <a:fontRef idx="minor">
+            <a:schemeClr val="lt1"/>
+          </a:fontRef>
+        </p:style>
+        <p:txBody>
+          <a:bodyPr rtlCol="0" anchor="ctr"/>
+          <a:lstStyle/>
+          <a:p>
+            <a:pPr algn="ctr"/>
+            <a:endParaRPr lang="en-US"/>
+          </a:p>
+        </p:txBody>
+      </p:sp>
       <p:pic>
         <p:nvPicPr>
           <p:cNvPr id="4" name="Picture 3"/>
@@ -3135,51 +3225,6 @@
       </p:sp>
       <p:sp>
         <p:nvSpPr>
-          <p:cNvPr id="6" name="Rectangle 5"/>
-          <p:cNvSpPr/>
-          <p:nvPr/>
-        </p:nvSpPr>
-        <p:spPr>
-          <a:xfrm>
-            <a:off x="0" y="31242000"/>
-            <a:ext cx="43891200" cy="1676400"/>
-          </a:xfrm>
-          <a:prstGeom prst="rect">
-            <a:avLst/>
-          </a:prstGeom>
-          <a:solidFill>
-            <a:srgbClr val="292A42"/>
-          </a:solidFill>
-          <a:ln>
-            <a:noFill/>
-          </a:ln>
-          <a:effectLst/>
-        </p:spPr>
-        <p:style>
-          <a:lnRef idx="1">
-            <a:schemeClr val="accent1"/>
-          </a:lnRef>
-          <a:fillRef idx="3">
-            <a:schemeClr val="accent1"/>
-          </a:fillRef>
-          <a:effectRef idx="2">
-            <a:schemeClr val="accent1"/>
-          </a:effectRef>
-          <a:fontRef idx="minor">
-            <a:schemeClr val="lt1"/>
-          </a:fontRef>
-        </p:style>
-        <p:txBody>
-          <a:bodyPr rtlCol="0" anchor="ctr"/>
-          <a:lstStyle/>
-          <a:p>
-            <a:pPr algn="ctr"/>
-            <a:endParaRPr lang="en-US"/>
-          </a:p>
-        </p:txBody>
-      </p:sp>
-      <p:sp>
-        <p:nvSpPr>
           <p:cNvPr id="7" name="TextBox 6"/>
           <p:cNvSpPr txBox="1"/>
           <p:nvPr/>
@@ -3367,50 +3412,6 @@
                 <a:schemeClr val="bg1"/>
               </a:solidFill>
             </a:endParaRPr>
-          </a:p>
-        </p:txBody>
-      </p:sp>
-      <p:sp>
-        <p:nvSpPr>
-          <p:cNvPr id="30" name="Rectangle 29"/>
-          <p:cNvSpPr/>
-          <p:nvPr/>
-        </p:nvSpPr>
-        <p:spPr>
-          <a:xfrm>
-            <a:off x="21031200" y="31546800"/>
-            <a:ext cx="14020800" cy="1110972"/>
-          </a:xfrm>
-          <a:prstGeom prst="rect">
-            <a:avLst/>
-          </a:prstGeom>
-          <a:solidFill>
-            <a:schemeClr val="bg1"/>
-          </a:solidFill>
-          <a:ln>
-            <a:noFill/>
-          </a:ln>
-        </p:spPr>
-        <p:style>
-          <a:lnRef idx="1">
-            <a:schemeClr val="accent1"/>
-          </a:lnRef>
-          <a:fillRef idx="3">
-            <a:schemeClr val="accent1"/>
-          </a:fillRef>
-          <a:effectRef idx="2">
-            <a:schemeClr val="accent1"/>
-          </a:effectRef>
-          <a:fontRef idx="minor">
-            <a:schemeClr val="lt1"/>
-          </a:fontRef>
-        </p:style>
-        <p:txBody>
-          <a:bodyPr rtlCol="0" anchor="ctr"/>
-          <a:lstStyle/>
-          <a:p>
-            <a:pPr algn="ctr"/>
-            <a:endParaRPr lang="en-US"/>
           </a:p>
         </p:txBody>
       </p:sp>
@@ -3849,7 +3850,7 @@
               </a:stretch>
             </p:blipFill>
           </mc:Choice>
-          <mc:Fallback xmlns:p="http://schemas.openxmlformats.org/presentationml/2006/main" xmlns:mv="urn:schemas-microsoft-com:mac:vml" xmlns:mc="http://schemas.openxmlformats.org/markup-compatibility/2006" xmlns:r="http://schemas.openxmlformats.org/officeDocument/2006/relationships" xmlns:a="http://schemas.openxmlformats.org/drawingml/2006/main" xmlns="">
+          <mc:Fallback xmlns:ma="http://schemas.microsoft.com/office/mac/drawingml/2008/main" xmlns="" xmlns:a="http://schemas.openxmlformats.org/drawingml/2006/main" xmlns:r="http://schemas.openxmlformats.org/officeDocument/2006/relationships" xmlns:mc="http://schemas.openxmlformats.org/markup-compatibility/2006" xmlns:mv="urn:schemas-microsoft-com:mac:vml" xmlns:p="http://schemas.openxmlformats.org/presentationml/2006/main">
             <p:blipFill>
               <a:blip r:embed="rId10"/>
               <a:stretch>
@@ -3915,29 +3916,8 @@
             </a:r>
             <a:r>
               <a:rPr lang="en-US" sz="4000" i="1" dirty="0" smtClean="0"/>
-              <a:t>XML </a:t>
-            </a:r>
-            <a:r>
-              <a:rPr lang="en-US" sz="4000" i="1" dirty="0" smtClean="0"/>
-              <a:t>Data Service </a:t>
-            </a:r>
-            <a:r>
-              <a:rPr lang="en-US" sz="4000" i="1" dirty="0" smtClean="0"/>
-              <a:t>Style</a:t>
-            </a:r>
-            <a:r>
-              <a:rPr lang="en-US" sz="4000" i="1" dirty="0" smtClean="0"/>
-              <a:t>:</a:t>
-            </a:r>
-            <a:r>
-              <a:rPr lang="en-US" sz="4000" i="1" dirty="0" smtClean="0"/>
-              <a:t> </a:t>
-            </a:r>
-            <a:r>
-              <a:rPr lang="en-US" sz="4000" i="1" dirty="0" smtClean="0"/>
-              <a:t>transfer large xml document and large number of xml documents (via Zip stream)</a:t>
-            </a:r>
-            <a:endParaRPr lang="en-US" sz="4000" i="1" dirty="0" smtClean="0"/>
+              <a:t>XML Data Service Style: transfer large xml document and large number of xml documents (via Zip stream)</a:t>
+            </a:r>
           </a:p>
           <a:p>
             <a:pPr>
@@ -3951,21 +3931,8 @@
             </a:r>
             <a:r>
               <a:rPr lang="en-US" sz="4000" i="1" dirty="0" smtClean="0"/>
-              <a:t>IVI </a:t>
-            </a:r>
-            <a:r>
-              <a:rPr lang="en-US" sz="4000" i="1" dirty="0" smtClean="0"/>
-              <a:t>Middleware CERR Data </a:t>
-            </a:r>
-            <a:r>
-              <a:rPr lang="en-US" sz="4000" i="1" dirty="0" smtClean="0"/>
-              <a:t>Service: transfer </a:t>
-            </a:r>
-            <a:r>
-              <a:rPr lang="en-US" sz="4000" i="1" dirty="0" smtClean="0"/>
-              <a:t>CERR objects both in upload and download</a:t>
-            </a:r>
-            <a:endParaRPr lang="en-US" sz="4000" i="1" dirty="0" smtClean="0"/>
+              <a:t>IVI Middleware CERR Data Service: transfer CERR objects both in upload and download</a:t>
+            </a:r>
           </a:p>
           <a:p>
             <a:pPr>
@@ -3979,21 +3946,8 @@
             </a:r>
             <a:r>
               <a:rPr lang="en-US" sz="4000" i="1" dirty="0" smtClean="0"/>
-              <a:t>NCIA </a:t>
-            </a:r>
-            <a:r>
-              <a:rPr lang="en-US" sz="4000" i="1" dirty="0" smtClean="0"/>
-              <a:t>Data </a:t>
-            </a:r>
-            <a:r>
-              <a:rPr lang="en-US" sz="4000" i="1" dirty="0" smtClean="0"/>
-              <a:t>Service: transfer </a:t>
-            </a:r>
-            <a:r>
-              <a:rPr lang="en-US" sz="4000" i="1" dirty="0" smtClean="0"/>
-              <a:t>DICOM images, both upload and download</a:t>
-            </a:r>
-            <a:endParaRPr lang="en-US" sz="4000" i="1" dirty="0" smtClean="0"/>
+              <a:t>NCIA Data Service: transfer DICOM images, both upload and download</a:t>
+            </a:r>
           </a:p>
           <a:p>
             <a:pPr>
@@ -4007,23 +3961,7 @@
             </a:r>
             <a:r>
               <a:rPr lang="en-US" sz="4000" i="1" dirty="0" smtClean="0"/>
-              <a:t>IVI </a:t>
-            </a:r>
-            <a:r>
-              <a:rPr lang="en-US" sz="4000" i="1" dirty="0" smtClean="0"/>
-              <a:t>Middleware DICOM Data </a:t>
-            </a:r>
-            <a:r>
-              <a:rPr lang="en-US" sz="4000" i="1" dirty="0" smtClean="0"/>
-              <a:t>Service: transfer </a:t>
-            </a:r>
-            <a:r>
-              <a:rPr lang="en-US" sz="4000" i="1" dirty="0" smtClean="0"/>
-              <a:t>DICOM images, both upload and </a:t>
-            </a:r>
-            <a:r>
-              <a:rPr lang="en-US" sz="4000" i="1" dirty="0" smtClean="0"/>
-              <a:t>download</a:t>
+              <a:t>IVI Middleware DICOM Data Service: transfer DICOM images, both upload and download</a:t>
             </a:r>
             <a:endParaRPr lang="en-US" sz="4000" i="1" dirty="0"/>
           </a:p>

--- a/Documentation/presentations/transfer/Transfer_caGrid_AHM_2008.pptx
+++ b/Documentation/presentations/transfer/Transfer_caGrid_AHM_2008.pptx
@@ -3850,7 +3850,7 @@
               </a:stretch>
             </p:blipFill>
           </mc:Choice>
-          <mc:Fallback xmlns:ma="http://schemas.microsoft.com/office/mac/drawingml/2008/main" xmlns="" xmlns:a="http://schemas.openxmlformats.org/drawingml/2006/main" xmlns:r="http://schemas.openxmlformats.org/officeDocument/2006/relationships" xmlns:mc="http://schemas.openxmlformats.org/markup-compatibility/2006" xmlns:mv="urn:schemas-microsoft-com:mac:vml" xmlns:p="http://schemas.openxmlformats.org/presentationml/2006/main">
+          <mc:Fallback xmlns:p="http://schemas.openxmlformats.org/presentationml/2006/main" xmlns:mv="urn:schemas-microsoft-com:mac:vml" xmlns:mc="http://schemas.openxmlformats.org/markup-compatibility/2006" xmlns:r="http://schemas.openxmlformats.org/officeDocument/2006/relationships" xmlns:a="http://schemas.openxmlformats.org/drawingml/2006/main" xmlns="" xmlns:ma="http://schemas.microsoft.com/office/mac/drawingml/2008/main">
             <p:blipFill>
               <a:blip r:embed="rId10"/>
               <a:stretch>
@@ -3890,29 +3890,32 @@
           </a:bodyPr>
           <a:lstStyle/>
           <a:p>
+            <a:r>
+              <a:rPr lang="en-US" sz="4000" b="1" smtClean="0">
+                <a:solidFill>
+                  <a:srgbClr val="2D2E4B"/>
+                </a:solidFill>
+              </a:rPr>
+              <a:t>Early Adopters</a:t>
+            </a:r>
+          </a:p>
+          <a:p>
             <a:pPr>
               <a:spcAft>
                 <a:spcPts val="1800"/>
               </a:spcAft>
             </a:pPr>
             <a:r>
-              <a:rPr lang="en-US" sz="4000" dirty="0" smtClean="0"/>
-              <a:t>Early Adopters:</a:t>
-            </a:r>
-          </a:p>
-          <a:p>
-            <a:pPr>
-              <a:spcAft>
-                <a:spcPts val="1800"/>
-              </a:spcAft>
-            </a:pPr>
-            <a:r>
               <a:rPr lang="en-US" sz="4000" dirty="0" err="1" smtClean="0"/>
               <a:t>caGrid</a:t>
             </a:r>
             <a:r>
               <a:rPr lang="en-US" sz="4000" dirty="0" smtClean="0"/>
-              <a:t> -- </a:t>
+              <a:t> </a:t>
+            </a:r>
+            <a:r>
+              <a:rPr lang="en-US" sz="4000" dirty="0" smtClean="0"/>
+              <a:t>-- </a:t>
             </a:r>
             <a:r>
               <a:rPr lang="en-US" sz="4000" i="1" dirty="0" smtClean="0"/>
